--- a/presentacion.pptx
+++ b/presentacion.pptx
@@ -4751,7 +4751,19 @@
             <a:pPr algn="just"/>
             <a:r>
               <a:rPr lang="ca-ES" dirty="0" smtClean="0"/>
-              <a:t>El ranking més alt al que hem arribat dins de Bronze ha estat aproximadament la posició 1150.</a:t>
+              <a:t>El ranking més alt al que hem arribat dins de Bronze ha estat aproximadament la </a:t>
+            </a:r>
+            <a:r>
+              <a:rPr lang="ca-ES" smtClean="0"/>
+              <a:t>posició </a:t>
+            </a:r>
+            <a:r>
+              <a:rPr lang="ca-ES" smtClean="0"/>
+              <a:t>750</a:t>
+            </a:r>
+            <a:r>
+              <a:rPr lang="ca-ES" smtClean="0"/>
+              <a:t>.</a:t>
             </a:r>
             <a:endParaRPr lang="ca-ES" dirty="0"/>
           </a:p>
